--- a/ppt 16-9/0219.啊!有一盏灯.pptx
+++ b/ppt 16-9/0219.啊!有一盏灯.pptx
@@ -5,7 +5,7 @@
     <p:sldMasterId id="2147483648" r:id="rId1"/>
   </p:sldMasterIdLst>
   <p:sldIdLst>
-    <p:sldId id="3027" r:id="rId2"/>
+    <p:sldId id="3030" r:id="rId2"/>
   </p:sldIdLst>
   <p:sldSz cx="12192000" cy="6858000"/>
   <p:notesSz cx="6858000" cy="9144000"/>
@@ -129,7 +129,7 @@
           <p:cNvPr id="2" name="标题 1">
             <a:extLst>
               <a:ext uri="{FF2B5EF4-FFF2-40B4-BE49-F238E27FC236}">
-                <a16:creationId xmlns:a16="http://schemas.microsoft.com/office/drawing/2014/main" id="{4ACC3B94-070F-6779-AE6D-EA19B1140D53}"/>
+                <a16:creationId xmlns:a16="http://schemas.microsoft.com/office/drawing/2014/main" id="{1114F235-9C71-A3D0-558B-E5A546B94133}"/>
               </a:ext>
             </a:extLst>
           </p:cNvPr>
@@ -166,7 +166,7 @@
           <p:cNvPr id="3" name="副标题 2">
             <a:extLst>
               <a:ext uri="{FF2B5EF4-FFF2-40B4-BE49-F238E27FC236}">
-                <a16:creationId xmlns:a16="http://schemas.microsoft.com/office/drawing/2014/main" id="{F66B0285-8D3E-70A0-00ED-46A37F5ABF53}"/>
+                <a16:creationId xmlns:a16="http://schemas.microsoft.com/office/drawing/2014/main" id="{CC96E240-E3E1-BB09-B345-E805396D33B9}"/>
               </a:ext>
             </a:extLst>
           </p:cNvPr>
@@ -236,7 +236,7 @@
           <p:cNvPr id="4" name="日期占位符 3">
             <a:extLst>
               <a:ext uri="{FF2B5EF4-FFF2-40B4-BE49-F238E27FC236}">
-                <a16:creationId xmlns:a16="http://schemas.microsoft.com/office/drawing/2014/main" id="{BE4BE724-6174-A085-0F2C-F28C8E3F57C4}"/>
+                <a16:creationId xmlns:a16="http://schemas.microsoft.com/office/drawing/2014/main" id="{A1EBE044-4391-2FF9-AC2B-6F5AAB978AEC}"/>
               </a:ext>
             </a:extLst>
           </p:cNvPr>
@@ -252,7 +252,7 @@
           <a:bodyPr/>
           <a:lstStyle/>
           <a:p>
-            <a:fld id="{8C2E1617-F14E-40A3-B1D8-C4FD3DFE53E2}" type="datetimeFigureOut">
+            <a:fld id="{EB14B89B-9004-419B-87F4-3104242BF568}" type="datetimeFigureOut">
               <a:rPr lang="zh-CN" altLang="en-US" smtClean="0"/>
               <a:t>2024/3/10</a:t>
             </a:fld>
@@ -265,7 +265,7 @@
           <p:cNvPr id="5" name="页脚占位符 4">
             <a:extLst>
               <a:ext uri="{FF2B5EF4-FFF2-40B4-BE49-F238E27FC236}">
-                <a16:creationId xmlns:a16="http://schemas.microsoft.com/office/drawing/2014/main" id="{9A051B24-9E13-3858-A044-6C947F4B99F0}"/>
+                <a16:creationId xmlns:a16="http://schemas.microsoft.com/office/drawing/2014/main" id="{5E12643F-EF27-D395-3FF6-58AA6C2468DF}"/>
               </a:ext>
             </a:extLst>
           </p:cNvPr>
@@ -290,7 +290,7 @@
           <p:cNvPr id="6" name="灯片编号占位符 5">
             <a:extLst>
               <a:ext uri="{FF2B5EF4-FFF2-40B4-BE49-F238E27FC236}">
-                <a16:creationId xmlns:a16="http://schemas.microsoft.com/office/drawing/2014/main" id="{4216265A-4630-2D9E-8CB6-8E2EF1B75004}"/>
+                <a16:creationId xmlns:a16="http://schemas.microsoft.com/office/drawing/2014/main" id="{A6B63EC6-967A-7A4E-96B0-7F4D097933FF}"/>
               </a:ext>
             </a:extLst>
           </p:cNvPr>
@@ -306,7 +306,7 @@
           <a:bodyPr/>
           <a:lstStyle/>
           <a:p>
-            <a:fld id="{97C77B23-3155-49AA-891D-E27C4500B4FC}" type="slidenum">
+            <a:fld id="{CC66573B-7AB1-4572-BEFD-6AA985FFDE92}" type="slidenum">
               <a:rPr lang="zh-CN" altLang="en-US" smtClean="0"/>
               <a:t>‹#›</a:t>
             </a:fld>
@@ -317,7 +317,7 @@
     </p:spTree>
     <p:extLst>
       <p:ext uri="{BB962C8B-B14F-4D97-AF65-F5344CB8AC3E}">
-        <p14:creationId xmlns:p14="http://schemas.microsoft.com/office/powerpoint/2010/main" val="3481296774"/>
+        <p14:creationId xmlns:p14="http://schemas.microsoft.com/office/powerpoint/2010/main" val="1339304650"/>
       </p:ext>
     </p:extLst>
   </p:cSld>
@@ -349,7 +349,7 @@
           <p:cNvPr id="2" name="标题 1">
             <a:extLst>
               <a:ext uri="{FF2B5EF4-FFF2-40B4-BE49-F238E27FC236}">
-                <a16:creationId xmlns:a16="http://schemas.microsoft.com/office/drawing/2014/main" id="{81A55656-9AA7-FAB5-5261-F319A3231370}"/>
+                <a16:creationId xmlns:a16="http://schemas.microsoft.com/office/drawing/2014/main" id="{0A7BD5CE-2FCF-00DF-F4B7-A12D941E853F}"/>
               </a:ext>
             </a:extLst>
           </p:cNvPr>
@@ -377,7 +377,7 @@
           <p:cNvPr id="3" name="竖排文字占位符 2">
             <a:extLst>
               <a:ext uri="{FF2B5EF4-FFF2-40B4-BE49-F238E27FC236}">
-                <a16:creationId xmlns:a16="http://schemas.microsoft.com/office/drawing/2014/main" id="{E81459C2-BDA1-0A40-BCAF-E215D35F06DF}"/>
+                <a16:creationId xmlns:a16="http://schemas.microsoft.com/office/drawing/2014/main" id="{4A0F9025-9B9A-CDF6-5451-C8D2DCD93827}"/>
               </a:ext>
             </a:extLst>
           </p:cNvPr>
@@ -434,7 +434,7 @@
           <p:cNvPr id="4" name="日期占位符 3">
             <a:extLst>
               <a:ext uri="{FF2B5EF4-FFF2-40B4-BE49-F238E27FC236}">
-                <a16:creationId xmlns:a16="http://schemas.microsoft.com/office/drawing/2014/main" id="{32A4004C-D710-729C-18B1-FAAAB29D9B84}"/>
+                <a16:creationId xmlns:a16="http://schemas.microsoft.com/office/drawing/2014/main" id="{EC143381-045E-2F80-F810-056B05AA214F}"/>
               </a:ext>
             </a:extLst>
           </p:cNvPr>
@@ -450,7 +450,7 @@
           <a:bodyPr/>
           <a:lstStyle/>
           <a:p>
-            <a:fld id="{8C2E1617-F14E-40A3-B1D8-C4FD3DFE53E2}" type="datetimeFigureOut">
+            <a:fld id="{EB14B89B-9004-419B-87F4-3104242BF568}" type="datetimeFigureOut">
               <a:rPr lang="zh-CN" altLang="en-US" smtClean="0"/>
               <a:t>2024/3/10</a:t>
             </a:fld>
@@ -463,7 +463,7 @@
           <p:cNvPr id="5" name="页脚占位符 4">
             <a:extLst>
               <a:ext uri="{FF2B5EF4-FFF2-40B4-BE49-F238E27FC236}">
-                <a16:creationId xmlns:a16="http://schemas.microsoft.com/office/drawing/2014/main" id="{9A40B6D7-3CA7-86DB-CD99-4F32D6A1E5EE}"/>
+                <a16:creationId xmlns:a16="http://schemas.microsoft.com/office/drawing/2014/main" id="{93C24AC7-61B1-543D-F589-DD8DD6B24F99}"/>
               </a:ext>
             </a:extLst>
           </p:cNvPr>
@@ -488,7 +488,7 @@
           <p:cNvPr id="6" name="灯片编号占位符 5">
             <a:extLst>
               <a:ext uri="{FF2B5EF4-FFF2-40B4-BE49-F238E27FC236}">
-                <a16:creationId xmlns:a16="http://schemas.microsoft.com/office/drawing/2014/main" id="{3E8C1C12-03E0-ED10-A4DA-4F3AA45A5ACE}"/>
+                <a16:creationId xmlns:a16="http://schemas.microsoft.com/office/drawing/2014/main" id="{C266EF13-013E-9E15-2BC5-89545A9F44EA}"/>
               </a:ext>
             </a:extLst>
           </p:cNvPr>
@@ -504,7 +504,7 @@
           <a:bodyPr/>
           <a:lstStyle/>
           <a:p>
-            <a:fld id="{97C77B23-3155-49AA-891D-E27C4500B4FC}" type="slidenum">
+            <a:fld id="{CC66573B-7AB1-4572-BEFD-6AA985FFDE92}" type="slidenum">
               <a:rPr lang="zh-CN" altLang="en-US" smtClean="0"/>
               <a:t>‹#›</a:t>
             </a:fld>
@@ -515,7 +515,7 @@
     </p:spTree>
     <p:extLst>
       <p:ext uri="{BB962C8B-B14F-4D97-AF65-F5344CB8AC3E}">
-        <p14:creationId xmlns:p14="http://schemas.microsoft.com/office/powerpoint/2010/main" val="2305413167"/>
+        <p14:creationId xmlns:p14="http://schemas.microsoft.com/office/powerpoint/2010/main" val="3376523019"/>
       </p:ext>
     </p:extLst>
   </p:cSld>
@@ -547,7 +547,7 @@
           <p:cNvPr id="2" name="竖排标题 1">
             <a:extLst>
               <a:ext uri="{FF2B5EF4-FFF2-40B4-BE49-F238E27FC236}">
-                <a16:creationId xmlns:a16="http://schemas.microsoft.com/office/drawing/2014/main" id="{27DA2104-AB5A-015B-B621-75C2A827227E}"/>
+                <a16:creationId xmlns:a16="http://schemas.microsoft.com/office/drawing/2014/main" id="{0415E70D-F5F8-9153-F9CE-D20E297225C1}"/>
               </a:ext>
             </a:extLst>
           </p:cNvPr>
@@ -580,7 +580,7 @@
           <p:cNvPr id="3" name="竖排文字占位符 2">
             <a:extLst>
               <a:ext uri="{FF2B5EF4-FFF2-40B4-BE49-F238E27FC236}">
-                <a16:creationId xmlns:a16="http://schemas.microsoft.com/office/drawing/2014/main" id="{653A808B-253E-FBBA-DD4B-B5D7927C10C3}"/>
+                <a16:creationId xmlns:a16="http://schemas.microsoft.com/office/drawing/2014/main" id="{14B6E818-AC78-AC4A-EAA9-67F309C9366D}"/>
               </a:ext>
             </a:extLst>
           </p:cNvPr>
@@ -642,7 +642,7 @@
           <p:cNvPr id="4" name="日期占位符 3">
             <a:extLst>
               <a:ext uri="{FF2B5EF4-FFF2-40B4-BE49-F238E27FC236}">
-                <a16:creationId xmlns:a16="http://schemas.microsoft.com/office/drawing/2014/main" id="{15C11671-76CF-E951-0338-A37095EDD47D}"/>
+                <a16:creationId xmlns:a16="http://schemas.microsoft.com/office/drawing/2014/main" id="{BA11A329-212A-1BCF-C887-380F67F327D1}"/>
               </a:ext>
             </a:extLst>
           </p:cNvPr>
@@ -658,7 +658,7 @@
           <a:bodyPr/>
           <a:lstStyle/>
           <a:p>
-            <a:fld id="{8C2E1617-F14E-40A3-B1D8-C4FD3DFE53E2}" type="datetimeFigureOut">
+            <a:fld id="{EB14B89B-9004-419B-87F4-3104242BF568}" type="datetimeFigureOut">
               <a:rPr lang="zh-CN" altLang="en-US" smtClean="0"/>
               <a:t>2024/3/10</a:t>
             </a:fld>
@@ -671,7 +671,7 @@
           <p:cNvPr id="5" name="页脚占位符 4">
             <a:extLst>
               <a:ext uri="{FF2B5EF4-FFF2-40B4-BE49-F238E27FC236}">
-                <a16:creationId xmlns:a16="http://schemas.microsoft.com/office/drawing/2014/main" id="{451FC9CF-F847-2779-A8E6-9300A96A53B4}"/>
+                <a16:creationId xmlns:a16="http://schemas.microsoft.com/office/drawing/2014/main" id="{6FF59935-05E7-833F-83A4-F967A32E056D}"/>
               </a:ext>
             </a:extLst>
           </p:cNvPr>
@@ -696,7 +696,7 @@
           <p:cNvPr id="6" name="灯片编号占位符 5">
             <a:extLst>
               <a:ext uri="{FF2B5EF4-FFF2-40B4-BE49-F238E27FC236}">
-                <a16:creationId xmlns:a16="http://schemas.microsoft.com/office/drawing/2014/main" id="{2700E02E-7A48-238D-1129-193F3F9EE06F}"/>
+                <a16:creationId xmlns:a16="http://schemas.microsoft.com/office/drawing/2014/main" id="{53C320C8-7C20-0187-40A7-5F0AACDC0004}"/>
               </a:ext>
             </a:extLst>
           </p:cNvPr>
@@ -712,7 +712,7 @@
           <a:bodyPr/>
           <a:lstStyle/>
           <a:p>
-            <a:fld id="{97C77B23-3155-49AA-891D-E27C4500B4FC}" type="slidenum">
+            <a:fld id="{CC66573B-7AB1-4572-BEFD-6AA985FFDE92}" type="slidenum">
               <a:rPr lang="zh-CN" altLang="en-US" smtClean="0"/>
               <a:t>‹#›</a:t>
             </a:fld>
@@ -723,7 +723,7 @@
     </p:spTree>
     <p:extLst>
       <p:ext uri="{BB962C8B-B14F-4D97-AF65-F5344CB8AC3E}">
-        <p14:creationId xmlns:p14="http://schemas.microsoft.com/office/powerpoint/2010/main" val="2858489184"/>
+        <p14:creationId xmlns:p14="http://schemas.microsoft.com/office/powerpoint/2010/main" val="2740203901"/>
       </p:ext>
     </p:extLst>
   </p:cSld>
@@ -755,7 +755,7 @@
           <p:cNvPr id="2" name="标题 1">
             <a:extLst>
               <a:ext uri="{FF2B5EF4-FFF2-40B4-BE49-F238E27FC236}">
-                <a16:creationId xmlns:a16="http://schemas.microsoft.com/office/drawing/2014/main" id="{1C34AF1F-77C4-5DAB-448E-5AF64BB1226C}"/>
+                <a16:creationId xmlns:a16="http://schemas.microsoft.com/office/drawing/2014/main" id="{719E28BA-789E-D2D1-F5B0-5E716EBD7EF2}"/>
               </a:ext>
             </a:extLst>
           </p:cNvPr>
@@ -783,7 +783,7 @@
           <p:cNvPr id="3" name="内容占位符 2">
             <a:extLst>
               <a:ext uri="{FF2B5EF4-FFF2-40B4-BE49-F238E27FC236}">
-                <a16:creationId xmlns:a16="http://schemas.microsoft.com/office/drawing/2014/main" id="{076D40F0-C621-D4DF-EB85-0DDCC139479A}"/>
+                <a16:creationId xmlns:a16="http://schemas.microsoft.com/office/drawing/2014/main" id="{27E83C5F-F7C9-261B-E8D2-D45E60F87690}"/>
               </a:ext>
             </a:extLst>
           </p:cNvPr>
@@ -840,7 +840,7 @@
           <p:cNvPr id="4" name="日期占位符 3">
             <a:extLst>
               <a:ext uri="{FF2B5EF4-FFF2-40B4-BE49-F238E27FC236}">
-                <a16:creationId xmlns:a16="http://schemas.microsoft.com/office/drawing/2014/main" id="{C27A7B34-A67F-67F1-07E7-79078A32DCEE}"/>
+                <a16:creationId xmlns:a16="http://schemas.microsoft.com/office/drawing/2014/main" id="{4300875D-D62D-070D-C8DD-21EB13CDA29F}"/>
               </a:ext>
             </a:extLst>
           </p:cNvPr>
@@ -856,7 +856,7 @@
           <a:bodyPr/>
           <a:lstStyle/>
           <a:p>
-            <a:fld id="{8C2E1617-F14E-40A3-B1D8-C4FD3DFE53E2}" type="datetimeFigureOut">
+            <a:fld id="{EB14B89B-9004-419B-87F4-3104242BF568}" type="datetimeFigureOut">
               <a:rPr lang="zh-CN" altLang="en-US" smtClean="0"/>
               <a:t>2024/3/10</a:t>
             </a:fld>
@@ -869,7 +869,7 @@
           <p:cNvPr id="5" name="页脚占位符 4">
             <a:extLst>
               <a:ext uri="{FF2B5EF4-FFF2-40B4-BE49-F238E27FC236}">
-                <a16:creationId xmlns:a16="http://schemas.microsoft.com/office/drawing/2014/main" id="{EB6565D5-6155-F625-9E36-917087F582A0}"/>
+                <a16:creationId xmlns:a16="http://schemas.microsoft.com/office/drawing/2014/main" id="{BC2A4FEC-1263-1696-AD3A-4C8D297A0C08}"/>
               </a:ext>
             </a:extLst>
           </p:cNvPr>
@@ -894,7 +894,7 @@
           <p:cNvPr id="6" name="灯片编号占位符 5">
             <a:extLst>
               <a:ext uri="{FF2B5EF4-FFF2-40B4-BE49-F238E27FC236}">
-                <a16:creationId xmlns:a16="http://schemas.microsoft.com/office/drawing/2014/main" id="{BB2C31C1-3BA6-CCDB-DAE9-7B30AF555E7F}"/>
+                <a16:creationId xmlns:a16="http://schemas.microsoft.com/office/drawing/2014/main" id="{668A05FB-0281-760F-82CF-7E1DAC52DAA2}"/>
               </a:ext>
             </a:extLst>
           </p:cNvPr>
@@ -910,7 +910,7 @@
           <a:bodyPr/>
           <a:lstStyle/>
           <a:p>
-            <a:fld id="{97C77B23-3155-49AA-891D-E27C4500B4FC}" type="slidenum">
+            <a:fld id="{CC66573B-7AB1-4572-BEFD-6AA985FFDE92}" type="slidenum">
               <a:rPr lang="zh-CN" altLang="en-US" smtClean="0"/>
               <a:t>‹#›</a:t>
             </a:fld>
@@ -921,7 +921,7 @@
     </p:spTree>
     <p:extLst>
       <p:ext uri="{BB962C8B-B14F-4D97-AF65-F5344CB8AC3E}">
-        <p14:creationId xmlns:p14="http://schemas.microsoft.com/office/powerpoint/2010/main" val="559098745"/>
+        <p14:creationId xmlns:p14="http://schemas.microsoft.com/office/powerpoint/2010/main" val="1946528048"/>
       </p:ext>
     </p:extLst>
   </p:cSld>
@@ -953,7 +953,7 @@
           <p:cNvPr id="2" name="标题 1">
             <a:extLst>
               <a:ext uri="{FF2B5EF4-FFF2-40B4-BE49-F238E27FC236}">
-                <a16:creationId xmlns:a16="http://schemas.microsoft.com/office/drawing/2014/main" id="{63EB553E-33B0-D662-AFDA-266D46BB09C7}"/>
+                <a16:creationId xmlns:a16="http://schemas.microsoft.com/office/drawing/2014/main" id="{C1BF93B0-F702-B515-865C-B9216C892426}"/>
               </a:ext>
             </a:extLst>
           </p:cNvPr>
@@ -990,7 +990,7 @@
           <p:cNvPr id="3" name="文本占位符 2">
             <a:extLst>
               <a:ext uri="{FF2B5EF4-FFF2-40B4-BE49-F238E27FC236}">
-                <a16:creationId xmlns:a16="http://schemas.microsoft.com/office/drawing/2014/main" id="{794ABEE3-FE64-BA09-F2F2-975909F111F5}"/>
+                <a16:creationId xmlns:a16="http://schemas.microsoft.com/office/drawing/2014/main" id="{1ECC2727-BB67-C1EC-FA6C-B43FC3CB27C9}"/>
               </a:ext>
             </a:extLst>
           </p:cNvPr>
@@ -1115,7 +1115,7 @@
           <p:cNvPr id="4" name="日期占位符 3">
             <a:extLst>
               <a:ext uri="{FF2B5EF4-FFF2-40B4-BE49-F238E27FC236}">
-                <a16:creationId xmlns:a16="http://schemas.microsoft.com/office/drawing/2014/main" id="{B5A324B1-FBDC-5EF6-CF5A-5CC75226568E}"/>
+                <a16:creationId xmlns:a16="http://schemas.microsoft.com/office/drawing/2014/main" id="{7A9B3412-5ACE-9AD7-9ECB-73360AAA5E1A}"/>
               </a:ext>
             </a:extLst>
           </p:cNvPr>
@@ -1131,7 +1131,7 @@
           <a:bodyPr/>
           <a:lstStyle/>
           <a:p>
-            <a:fld id="{8C2E1617-F14E-40A3-B1D8-C4FD3DFE53E2}" type="datetimeFigureOut">
+            <a:fld id="{EB14B89B-9004-419B-87F4-3104242BF568}" type="datetimeFigureOut">
               <a:rPr lang="zh-CN" altLang="en-US" smtClean="0"/>
               <a:t>2024/3/10</a:t>
             </a:fld>
@@ -1144,7 +1144,7 @@
           <p:cNvPr id="5" name="页脚占位符 4">
             <a:extLst>
               <a:ext uri="{FF2B5EF4-FFF2-40B4-BE49-F238E27FC236}">
-                <a16:creationId xmlns:a16="http://schemas.microsoft.com/office/drawing/2014/main" id="{6E2A1629-F248-02AD-FC90-B0839D02E10E}"/>
+                <a16:creationId xmlns:a16="http://schemas.microsoft.com/office/drawing/2014/main" id="{74502FCA-291D-62FD-3FCA-BF2F04C52F0C}"/>
               </a:ext>
             </a:extLst>
           </p:cNvPr>
@@ -1169,7 +1169,7 @@
           <p:cNvPr id="6" name="灯片编号占位符 5">
             <a:extLst>
               <a:ext uri="{FF2B5EF4-FFF2-40B4-BE49-F238E27FC236}">
-                <a16:creationId xmlns:a16="http://schemas.microsoft.com/office/drawing/2014/main" id="{8075D2DB-A4B9-8B34-E65F-59AD48EC5515}"/>
+                <a16:creationId xmlns:a16="http://schemas.microsoft.com/office/drawing/2014/main" id="{38284995-E0E9-C31B-A6AC-F8B15CC056AD}"/>
               </a:ext>
             </a:extLst>
           </p:cNvPr>
@@ -1185,7 +1185,7 @@
           <a:bodyPr/>
           <a:lstStyle/>
           <a:p>
-            <a:fld id="{97C77B23-3155-49AA-891D-E27C4500B4FC}" type="slidenum">
+            <a:fld id="{CC66573B-7AB1-4572-BEFD-6AA985FFDE92}" type="slidenum">
               <a:rPr lang="zh-CN" altLang="en-US" smtClean="0"/>
               <a:t>‹#›</a:t>
             </a:fld>
@@ -1196,7 +1196,7 @@
     </p:spTree>
     <p:extLst>
       <p:ext uri="{BB962C8B-B14F-4D97-AF65-F5344CB8AC3E}">
-        <p14:creationId xmlns:p14="http://schemas.microsoft.com/office/powerpoint/2010/main" val="2227824432"/>
+        <p14:creationId xmlns:p14="http://schemas.microsoft.com/office/powerpoint/2010/main" val="2225441490"/>
       </p:ext>
     </p:extLst>
   </p:cSld>
@@ -1228,7 +1228,7 @@
           <p:cNvPr id="2" name="标题 1">
             <a:extLst>
               <a:ext uri="{FF2B5EF4-FFF2-40B4-BE49-F238E27FC236}">
-                <a16:creationId xmlns:a16="http://schemas.microsoft.com/office/drawing/2014/main" id="{4A29BBFC-53A0-689A-FFD4-E69B241C5232}"/>
+                <a16:creationId xmlns:a16="http://schemas.microsoft.com/office/drawing/2014/main" id="{2BF22F95-9A4B-4684-A49F-2A2004DF97EA}"/>
               </a:ext>
             </a:extLst>
           </p:cNvPr>
@@ -1256,7 +1256,7 @@
           <p:cNvPr id="3" name="内容占位符 2">
             <a:extLst>
               <a:ext uri="{FF2B5EF4-FFF2-40B4-BE49-F238E27FC236}">
-                <a16:creationId xmlns:a16="http://schemas.microsoft.com/office/drawing/2014/main" id="{2BAA2AC1-8BC3-4B8C-E3BF-E02FDD609AAE}"/>
+                <a16:creationId xmlns:a16="http://schemas.microsoft.com/office/drawing/2014/main" id="{D499082B-6B8A-F765-8137-ADBF9DF223C9}"/>
               </a:ext>
             </a:extLst>
           </p:cNvPr>
@@ -1318,7 +1318,7 @@
           <p:cNvPr id="4" name="内容占位符 3">
             <a:extLst>
               <a:ext uri="{FF2B5EF4-FFF2-40B4-BE49-F238E27FC236}">
-                <a16:creationId xmlns:a16="http://schemas.microsoft.com/office/drawing/2014/main" id="{7E62AC10-5489-5AA8-26BA-00A1224F96DF}"/>
+                <a16:creationId xmlns:a16="http://schemas.microsoft.com/office/drawing/2014/main" id="{63268984-AD4C-6970-2D94-5764668A1251}"/>
               </a:ext>
             </a:extLst>
           </p:cNvPr>
@@ -1380,7 +1380,7 @@
           <p:cNvPr id="5" name="日期占位符 4">
             <a:extLst>
               <a:ext uri="{FF2B5EF4-FFF2-40B4-BE49-F238E27FC236}">
-                <a16:creationId xmlns:a16="http://schemas.microsoft.com/office/drawing/2014/main" id="{CAE7C1A8-ED21-D3DD-4C3A-D69D9ED5BA25}"/>
+                <a16:creationId xmlns:a16="http://schemas.microsoft.com/office/drawing/2014/main" id="{404DDDA2-934E-36D2-2B52-A5C863CC4615}"/>
               </a:ext>
             </a:extLst>
           </p:cNvPr>
@@ -1396,7 +1396,7 @@
           <a:bodyPr/>
           <a:lstStyle/>
           <a:p>
-            <a:fld id="{8C2E1617-F14E-40A3-B1D8-C4FD3DFE53E2}" type="datetimeFigureOut">
+            <a:fld id="{EB14B89B-9004-419B-87F4-3104242BF568}" type="datetimeFigureOut">
               <a:rPr lang="zh-CN" altLang="en-US" smtClean="0"/>
               <a:t>2024/3/10</a:t>
             </a:fld>
@@ -1409,7 +1409,7 @@
           <p:cNvPr id="6" name="页脚占位符 5">
             <a:extLst>
               <a:ext uri="{FF2B5EF4-FFF2-40B4-BE49-F238E27FC236}">
-                <a16:creationId xmlns:a16="http://schemas.microsoft.com/office/drawing/2014/main" id="{2905EAFA-4730-030B-F3C9-F08B1B1A62B4}"/>
+                <a16:creationId xmlns:a16="http://schemas.microsoft.com/office/drawing/2014/main" id="{2CF25611-0C09-A604-17C8-D1CF6FA7FFB8}"/>
               </a:ext>
             </a:extLst>
           </p:cNvPr>
@@ -1434,7 +1434,7 @@
           <p:cNvPr id="7" name="灯片编号占位符 6">
             <a:extLst>
               <a:ext uri="{FF2B5EF4-FFF2-40B4-BE49-F238E27FC236}">
-                <a16:creationId xmlns:a16="http://schemas.microsoft.com/office/drawing/2014/main" id="{EB0CB77E-E5FE-D7DA-72E4-DC9BB0C588C3}"/>
+                <a16:creationId xmlns:a16="http://schemas.microsoft.com/office/drawing/2014/main" id="{DBD32F7D-1F28-1A6B-DC28-F498290BE6CF}"/>
               </a:ext>
             </a:extLst>
           </p:cNvPr>
@@ -1450,7 +1450,7 @@
           <a:bodyPr/>
           <a:lstStyle/>
           <a:p>
-            <a:fld id="{97C77B23-3155-49AA-891D-E27C4500B4FC}" type="slidenum">
+            <a:fld id="{CC66573B-7AB1-4572-BEFD-6AA985FFDE92}" type="slidenum">
               <a:rPr lang="zh-CN" altLang="en-US" smtClean="0"/>
               <a:t>‹#›</a:t>
             </a:fld>
@@ -1461,7 +1461,7 @@
     </p:spTree>
     <p:extLst>
       <p:ext uri="{BB962C8B-B14F-4D97-AF65-F5344CB8AC3E}">
-        <p14:creationId xmlns:p14="http://schemas.microsoft.com/office/powerpoint/2010/main" val="3812501623"/>
+        <p14:creationId xmlns:p14="http://schemas.microsoft.com/office/powerpoint/2010/main" val="4071450975"/>
       </p:ext>
     </p:extLst>
   </p:cSld>
@@ -1493,7 +1493,7 @@
           <p:cNvPr id="2" name="标题 1">
             <a:extLst>
               <a:ext uri="{FF2B5EF4-FFF2-40B4-BE49-F238E27FC236}">
-                <a16:creationId xmlns:a16="http://schemas.microsoft.com/office/drawing/2014/main" id="{BCFD236A-6BDD-757E-5327-65914FA471BF}"/>
+                <a16:creationId xmlns:a16="http://schemas.microsoft.com/office/drawing/2014/main" id="{A6E60520-285F-0045-1F9C-0638369F2296}"/>
               </a:ext>
             </a:extLst>
           </p:cNvPr>
@@ -1526,7 +1526,7 @@
           <p:cNvPr id="3" name="文本占位符 2">
             <a:extLst>
               <a:ext uri="{FF2B5EF4-FFF2-40B4-BE49-F238E27FC236}">
-                <a16:creationId xmlns:a16="http://schemas.microsoft.com/office/drawing/2014/main" id="{CB774DB0-65F6-3548-E2D7-02C94F2052D8}"/>
+                <a16:creationId xmlns:a16="http://schemas.microsoft.com/office/drawing/2014/main" id="{F3CA8B4F-E94F-02E6-A342-427FEC3BE246}"/>
               </a:ext>
             </a:extLst>
           </p:cNvPr>
@@ -1597,7 +1597,7 @@
           <p:cNvPr id="4" name="内容占位符 3">
             <a:extLst>
               <a:ext uri="{FF2B5EF4-FFF2-40B4-BE49-F238E27FC236}">
-                <a16:creationId xmlns:a16="http://schemas.microsoft.com/office/drawing/2014/main" id="{20D2F09F-0FCA-DDCE-53E6-16F9E9FBE1D8}"/>
+                <a16:creationId xmlns:a16="http://schemas.microsoft.com/office/drawing/2014/main" id="{51D9DD3B-9C57-3C0F-DA71-B863437AEEC7}"/>
               </a:ext>
             </a:extLst>
           </p:cNvPr>
@@ -1659,7 +1659,7 @@
           <p:cNvPr id="5" name="文本占位符 4">
             <a:extLst>
               <a:ext uri="{FF2B5EF4-FFF2-40B4-BE49-F238E27FC236}">
-                <a16:creationId xmlns:a16="http://schemas.microsoft.com/office/drawing/2014/main" id="{CF57B360-7CA1-D56D-2183-A542DEFE0A45}"/>
+                <a16:creationId xmlns:a16="http://schemas.microsoft.com/office/drawing/2014/main" id="{16DE699B-E6D4-08D1-14AC-E9E166AEFADD}"/>
               </a:ext>
             </a:extLst>
           </p:cNvPr>
@@ -1730,7 +1730,7 @@
           <p:cNvPr id="6" name="内容占位符 5">
             <a:extLst>
               <a:ext uri="{FF2B5EF4-FFF2-40B4-BE49-F238E27FC236}">
-                <a16:creationId xmlns:a16="http://schemas.microsoft.com/office/drawing/2014/main" id="{90F89905-3537-7119-FB74-7FD25FA0C326}"/>
+                <a16:creationId xmlns:a16="http://schemas.microsoft.com/office/drawing/2014/main" id="{D8519597-9431-54A0-DA74-6B0189E4585B}"/>
               </a:ext>
             </a:extLst>
           </p:cNvPr>
@@ -1792,7 +1792,7 @@
           <p:cNvPr id="7" name="日期占位符 6">
             <a:extLst>
               <a:ext uri="{FF2B5EF4-FFF2-40B4-BE49-F238E27FC236}">
-                <a16:creationId xmlns:a16="http://schemas.microsoft.com/office/drawing/2014/main" id="{214FBD66-1324-F2FF-A30D-720511D3C77C}"/>
+                <a16:creationId xmlns:a16="http://schemas.microsoft.com/office/drawing/2014/main" id="{D34852C3-0858-AA41-D633-0D484700D330}"/>
               </a:ext>
             </a:extLst>
           </p:cNvPr>
@@ -1808,7 +1808,7 @@
           <a:bodyPr/>
           <a:lstStyle/>
           <a:p>
-            <a:fld id="{8C2E1617-F14E-40A3-B1D8-C4FD3DFE53E2}" type="datetimeFigureOut">
+            <a:fld id="{EB14B89B-9004-419B-87F4-3104242BF568}" type="datetimeFigureOut">
               <a:rPr lang="zh-CN" altLang="en-US" smtClean="0"/>
               <a:t>2024/3/10</a:t>
             </a:fld>
@@ -1821,7 +1821,7 @@
           <p:cNvPr id="8" name="页脚占位符 7">
             <a:extLst>
               <a:ext uri="{FF2B5EF4-FFF2-40B4-BE49-F238E27FC236}">
-                <a16:creationId xmlns:a16="http://schemas.microsoft.com/office/drawing/2014/main" id="{AEE9D492-D057-7606-5516-1E0FDDC23E2F}"/>
+                <a16:creationId xmlns:a16="http://schemas.microsoft.com/office/drawing/2014/main" id="{718B8214-2AE0-C098-D5E0-146B14E71AEA}"/>
               </a:ext>
             </a:extLst>
           </p:cNvPr>
@@ -1846,7 +1846,7 @@
           <p:cNvPr id="9" name="灯片编号占位符 8">
             <a:extLst>
               <a:ext uri="{FF2B5EF4-FFF2-40B4-BE49-F238E27FC236}">
-                <a16:creationId xmlns:a16="http://schemas.microsoft.com/office/drawing/2014/main" id="{A168610D-6024-C437-2914-67749D7F70D7}"/>
+                <a16:creationId xmlns:a16="http://schemas.microsoft.com/office/drawing/2014/main" id="{0464FAE9-D817-23E0-C3E2-21E8EC5A0F19}"/>
               </a:ext>
             </a:extLst>
           </p:cNvPr>
@@ -1862,7 +1862,7 @@
           <a:bodyPr/>
           <a:lstStyle/>
           <a:p>
-            <a:fld id="{97C77B23-3155-49AA-891D-E27C4500B4FC}" type="slidenum">
+            <a:fld id="{CC66573B-7AB1-4572-BEFD-6AA985FFDE92}" type="slidenum">
               <a:rPr lang="zh-CN" altLang="en-US" smtClean="0"/>
               <a:t>‹#›</a:t>
             </a:fld>
@@ -1873,7 +1873,7 @@
     </p:spTree>
     <p:extLst>
       <p:ext uri="{BB962C8B-B14F-4D97-AF65-F5344CB8AC3E}">
-        <p14:creationId xmlns:p14="http://schemas.microsoft.com/office/powerpoint/2010/main" val="255139573"/>
+        <p14:creationId xmlns:p14="http://schemas.microsoft.com/office/powerpoint/2010/main" val="2637696052"/>
       </p:ext>
     </p:extLst>
   </p:cSld>
@@ -1905,7 +1905,7 @@
           <p:cNvPr id="2" name="标题 1">
             <a:extLst>
               <a:ext uri="{FF2B5EF4-FFF2-40B4-BE49-F238E27FC236}">
-                <a16:creationId xmlns:a16="http://schemas.microsoft.com/office/drawing/2014/main" id="{DF1D047C-DD9A-46EC-77A9-DC2543EF3214}"/>
+                <a16:creationId xmlns:a16="http://schemas.microsoft.com/office/drawing/2014/main" id="{A7DB3FBD-1169-AF08-91C4-CA44FD3F9887}"/>
               </a:ext>
             </a:extLst>
           </p:cNvPr>
@@ -1933,7 +1933,7 @@
           <p:cNvPr id="3" name="日期占位符 2">
             <a:extLst>
               <a:ext uri="{FF2B5EF4-FFF2-40B4-BE49-F238E27FC236}">
-                <a16:creationId xmlns:a16="http://schemas.microsoft.com/office/drawing/2014/main" id="{DDF6EADB-17D3-4B7F-012F-2063C902F324}"/>
+                <a16:creationId xmlns:a16="http://schemas.microsoft.com/office/drawing/2014/main" id="{D38190C6-0C7B-A783-90C6-8B768C524655}"/>
               </a:ext>
             </a:extLst>
           </p:cNvPr>
@@ -1949,7 +1949,7 @@
           <a:bodyPr/>
           <a:lstStyle/>
           <a:p>
-            <a:fld id="{8C2E1617-F14E-40A3-B1D8-C4FD3DFE53E2}" type="datetimeFigureOut">
+            <a:fld id="{EB14B89B-9004-419B-87F4-3104242BF568}" type="datetimeFigureOut">
               <a:rPr lang="zh-CN" altLang="en-US" smtClean="0"/>
               <a:t>2024/3/10</a:t>
             </a:fld>
@@ -1962,7 +1962,7 @@
           <p:cNvPr id="4" name="页脚占位符 3">
             <a:extLst>
               <a:ext uri="{FF2B5EF4-FFF2-40B4-BE49-F238E27FC236}">
-                <a16:creationId xmlns:a16="http://schemas.microsoft.com/office/drawing/2014/main" id="{6CE1ADCC-DAA2-B62A-3FCA-A95A4CBC658E}"/>
+                <a16:creationId xmlns:a16="http://schemas.microsoft.com/office/drawing/2014/main" id="{E8E3C90A-7484-1468-D2F8-150EAB49F5E1}"/>
               </a:ext>
             </a:extLst>
           </p:cNvPr>
@@ -1987,7 +1987,7 @@
           <p:cNvPr id="5" name="灯片编号占位符 4">
             <a:extLst>
               <a:ext uri="{FF2B5EF4-FFF2-40B4-BE49-F238E27FC236}">
-                <a16:creationId xmlns:a16="http://schemas.microsoft.com/office/drawing/2014/main" id="{88FD7A74-A412-F784-6341-F9020BE7DAB3}"/>
+                <a16:creationId xmlns:a16="http://schemas.microsoft.com/office/drawing/2014/main" id="{318A6AA2-7707-521D-8165-CF81B1998D4B}"/>
               </a:ext>
             </a:extLst>
           </p:cNvPr>
@@ -2003,7 +2003,7 @@
           <a:bodyPr/>
           <a:lstStyle/>
           <a:p>
-            <a:fld id="{97C77B23-3155-49AA-891D-E27C4500B4FC}" type="slidenum">
+            <a:fld id="{CC66573B-7AB1-4572-BEFD-6AA985FFDE92}" type="slidenum">
               <a:rPr lang="zh-CN" altLang="en-US" smtClean="0"/>
               <a:t>‹#›</a:t>
             </a:fld>
@@ -2014,7 +2014,7 @@
     </p:spTree>
     <p:extLst>
       <p:ext uri="{BB962C8B-B14F-4D97-AF65-F5344CB8AC3E}">
-        <p14:creationId xmlns:p14="http://schemas.microsoft.com/office/powerpoint/2010/main" val="718916200"/>
+        <p14:creationId xmlns:p14="http://schemas.microsoft.com/office/powerpoint/2010/main" val="200305279"/>
       </p:ext>
     </p:extLst>
   </p:cSld>
@@ -2046,7 +2046,7 @@
           <p:cNvPr id="2" name="日期占位符 1">
             <a:extLst>
               <a:ext uri="{FF2B5EF4-FFF2-40B4-BE49-F238E27FC236}">
-                <a16:creationId xmlns:a16="http://schemas.microsoft.com/office/drawing/2014/main" id="{4B6C8EC1-2859-AC30-1A85-F9CDF520143A}"/>
+                <a16:creationId xmlns:a16="http://schemas.microsoft.com/office/drawing/2014/main" id="{07980FE6-AC36-50DB-0028-BDDCDD562BE2}"/>
               </a:ext>
             </a:extLst>
           </p:cNvPr>
@@ -2062,7 +2062,7 @@
           <a:bodyPr/>
           <a:lstStyle/>
           <a:p>
-            <a:fld id="{8C2E1617-F14E-40A3-B1D8-C4FD3DFE53E2}" type="datetimeFigureOut">
+            <a:fld id="{EB14B89B-9004-419B-87F4-3104242BF568}" type="datetimeFigureOut">
               <a:rPr lang="zh-CN" altLang="en-US" smtClean="0"/>
               <a:t>2024/3/10</a:t>
             </a:fld>
@@ -2075,7 +2075,7 @@
           <p:cNvPr id="3" name="页脚占位符 2">
             <a:extLst>
               <a:ext uri="{FF2B5EF4-FFF2-40B4-BE49-F238E27FC236}">
-                <a16:creationId xmlns:a16="http://schemas.microsoft.com/office/drawing/2014/main" id="{1FA80485-16CE-F796-8974-04B4123D0C9C}"/>
+                <a16:creationId xmlns:a16="http://schemas.microsoft.com/office/drawing/2014/main" id="{AD5F328D-8BEE-FBAC-92F4-0A433451E94F}"/>
               </a:ext>
             </a:extLst>
           </p:cNvPr>
@@ -2100,7 +2100,7 @@
           <p:cNvPr id="4" name="灯片编号占位符 3">
             <a:extLst>
               <a:ext uri="{FF2B5EF4-FFF2-40B4-BE49-F238E27FC236}">
-                <a16:creationId xmlns:a16="http://schemas.microsoft.com/office/drawing/2014/main" id="{9FDC907C-3E01-69D3-0EE4-634A77004D8A}"/>
+                <a16:creationId xmlns:a16="http://schemas.microsoft.com/office/drawing/2014/main" id="{5AFE2D5B-B518-A67D-E2C1-7160BB2A4739}"/>
               </a:ext>
             </a:extLst>
           </p:cNvPr>
@@ -2116,7 +2116,7 @@
           <a:bodyPr/>
           <a:lstStyle/>
           <a:p>
-            <a:fld id="{97C77B23-3155-49AA-891D-E27C4500B4FC}" type="slidenum">
+            <a:fld id="{CC66573B-7AB1-4572-BEFD-6AA985FFDE92}" type="slidenum">
               <a:rPr lang="zh-CN" altLang="en-US" smtClean="0"/>
               <a:t>‹#›</a:t>
             </a:fld>
@@ -2127,7 +2127,7 @@
     </p:spTree>
     <p:extLst>
       <p:ext uri="{BB962C8B-B14F-4D97-AF65-F5344CB8AC3E}">
-        <p14:creationId xmlns:p14="http://schemas.microsoft.com/office/powerpoint/2010/main" val="2581584352"/>
+        <p14:creationId xmlns:p14="http://schemas.microsoft.com/office/powerpoint/2010/main" val="1836179913"/>
       </p:ext>
     </p:extLst>
   </p:cSld>
@@ -2159,7 +2159,7 @@
           <p:cNvPr id="2" name="标题 1">
             <a:extLst>
               <a:ext uri="{FF2B5EF4-FFF2-40B4-BE49-F238E27FC236}">
-                <a16:creationId xmlns:a16="http://schemas.microsoft.com/office/drawing/2014/main" id="{E2DC9B5E-50D2-C3F3-66AD-27B766B992DE}"/>
+                <a16:creationId xmlns:a16="http://schemas.microsoft.com/office/drawing/2014/main" id="{C6CF8A7A-2F45-3113-B25A-E01B314FB89F}"/>
               </a:ext>
             </a:extLst>
           </p:cNvPr>
@@ -2196,7 +2196,7 @@
           <p:cNvPr id="3" name="内容占位符 2">
             <a:extLst>
               <a:ext uri="{FF2B5EF4-FFF2-40B4-BE49-F238E27FC236}">
-                <a16:creationId xmlns:a16="http://schemas.microsoft.com/office/drawing/2014/main" id="{AF30754C-D582-4C34-755A-562ACBC46C54}"/>
+                <a16:creationId xmlns:a16="http://schemas.microsoft.com/office/drawing/2014/main" id="{DAE7C83C-A3A9-8704-F91F-CF5249DC8E8C}"/>
               </a:ext>
             </a:extLst>
           </p:cNvPr>
@@ -2286,7 +2286,7 @@
           <p:cNvPr id="4" name="文本占位符 3">
             <a:extLst>
               <a:ext uri="{FF2B5EF4-FFF2-40B4-BE49-F238E27FC236}">
-                <a16:creationId xmlns:a16="http://schemas.microsoft.com/office/drawing/2014/main" id="{15181367-FAAA-9C92-136A-97FD1419A283}"/>
+                <a16:creationId xmlns:a16="http://schemas.microsoft.com/office/drawing/2014/main" id="{AD3B2AA6-2B3F-1872-26BE-F71CD9EFE841}"/>
               </a:ext>
             </a:extLst>
           </p:cNvPr>
@@ -2357,7 +2357,7 @@
           <p:cNvPr id="5" name="日期占位符 4">
             <a:extLst>
               <a:ext uri="{FF2B5EF4-FFF2-40B4-BE49-F238E27FC236}">
-                <a16:creationId xmlns:a16="http://schemas.microsoft.com/office/drawing/2014/main" id="{6E7C67FF-1589-521C-5922-A4156F31D308}"/>
+                <a16:creationId xmlns:a16="http://schemas.microsoft.com/office/drawing/2014/main" id="{D0A6C025-B2B0-250A-81F1-7A87F1D5107D}"/>
               </a:ext>
             </a:extLst>
           </p:cNvPr>
@@ -2373,7 +2373,7 @@
           <a:bodyPr/>
           <a:lstStyle/>
           <a:p>
-            <a:fld id="{8C2E1617-F14E-40A3-B1D8-C4FD3DFE53E2}" type="datetimeFigureOut">
+            <a:fld id="{EB14B89B-9004-419B-87F4-3104242BF568}" type="datetimeFigureOut">
               <a:rPr lang="zh-CN" altLang="en-US" smtClean="0"/>
               <a:t>2024/3/10</a:t>
             </a:fld>
@@ -2386,7 +2386,7 @@
           <p:cNvPr id="6" name="页脚占位符 5">
             <a:extLst>
               <a:ext uri="{FF2B5EF4-FFF2-40B4-BE49-F238E27FC236}">
-                <a16:creationId xmlns:a16="http://schemas.microsoft.com/office/drawing/2014/main" id="{03F9A451-C5AE-6535-E623-FF34842ACCF1}"/>
+                <a16:creationId xmlns:a16="http://schemas.microsoft.com/office/drawing/2014/main" id="{4227C955-A0A4-B570-D3FE-744E38772041}"/>
               </a:ext>
             </a:extLst>
           </p:cNvPr>
@@ -2411,7 +2411,7 @@
           <p:cNvPr id="7" name="灯片编号占位符 6">
             <a:extLst>
               <a:ext uri="{FF2B5EF4-FFF2-40B4-BE49-F238E27FC236}">
-                <a16:creationId xmlns:a16="http://schemas.microsoft.com/office/drawing/2014/main" id="{4FD1EF7F-3EF7-50B3-3A99-D3AAC3A5AA33}"/>
+                <a16:creationId xmlns:a16="http://schemas.microsoft.com/office/drawing/2014/main" id="{EC11E782-1BA2-6A04-17B4-D56E4F649A48}"/>
               </a:ext>
             </a:extLst>
           </p:cNvPr>
@@ -2427,7 +2427,7 @@
           <a:bodyPr/>
           <a:lstStyle/>
           <a:p>
-            <a:fld id="{97C77B23-3155-49AA-891D-E27C4500B4FC}" type="slidenum">
+            <a:fld id="{CC66573B-7AB1-4572-BEFD-6AA985FFDE92}" type="slidenum">
               <a:rPr lang="zh-CN" altLang="en-US" smtClean="0"/>
               <a:t>‹#›</a:t>
             </a:fld>
@@ -2438,7 +2438,7 @@
     </p:spTree>
     <p:extLst>
       <p:ext uri="{BB962C8B-B14F-4D97-AF65-F5344CB8AC3E}">
-        <p14:creationId xmlns:p14="http://schemas.microsoft.com/office/powerpoint/2010/main" val="1427672042"/>
+        <p14:creationId xmlns:p14="http://schemas.microsoft.com/office/powerpoint/2010/main" val="1919402702"/>
       </p:ext>
     </p:extLst>
   </p:cSld>
@@ -2470,7 +2470,7 @@
           <p:cNvPr id="2" name="标题 1">
             <a:extLst>
               <a:ext uri="{FF2B5EF4-FFF2-40B4-BE49-F238E27FC236}">
-                <a16:creationId xmlns:a16="http://schemas.microsoft.com/office/drawing/2014/main" id="{075ED916-FBB9-DC61-62B5-DF24E36EBE1D}"/>
+                <a16:creationId xmlns:a16="http://schemas.microsoft.com/office/drawing/2014/main" id="{9533EEE4-40F0-E706-6861-FC699FB93B71}"/>
               </a:ext>
             </a:extLst>
           </p:cNvPr>
@@ -2507,7 +2507,7 @@
           <p:cNvPr id="3" name="图片占位符 2">
             <a:extLst>
               <a:ext uri="{FF2B5EF4-FFF2-40B4-BE49-F238E27FC236}">
-                <a16:creationId xmlns:a16="http://schemas.microsoft.com/office/drawing/2014/main" id="{7FBACDB5-9586-4490-552F-A1079CC7418A}"/>
+                <a16:creationId xmlns:a16="http://schemas.microsoft.com/office/drawing/2014/main" id="{B47F6B2A-04A6-3361-E051-BB5DE39BE1BC}"/>
               </a:ext>
             </a:extLst>
           </p:cNvPr>
@@ -2574,7 +2574,7 @@
           <p:cNvPr id="4" name="文本占位符 3">
             <a:extLst>
               <a:ext uri="{FF2B5EF4-FFF2-40B4-BE49-F238E27FC236}">
-                <a16:creationId xmlns:a16="http://schemas.microsoft.com/office/drawing/2014/main" id="{7F88994A-F253-A4E6-3F60-5690389D6687}"/>
+                <a16:creationId xmlns:a16="http://schemas.microsoft.com/office/drawing/2014/main" id="{480BFB5C-4671-F181-6F54-2333BC017167}"/>
               </a:ext>
             </a:extLst>
           </p:cNvPr>
@@ -2645,7 +2645,7 @@
           <p:cNvPr id="5" name="日期占位符 4">
             <a:extLst>
               <a:ext uri="{FF2B5EF4-FFF2-40B4-BE49-F238E27FC236}">
-                <a16:creationId xmlns:a16="http://schemas.microsoft.com/office/drawing/2014/main" id="{CD8DA4A0-474D-010D-A9CF-A2CCB91C3B03}"/>
+                <a16:creationId xmlns:a16="http://schemas.microsoft.com/office/drawing/2014/main" id="{41AA0FE0-AF8C-EB03-520F-A655E509B33C}"/>
               </a:ext>
             </a:extLst>
           </p:cNvPr>
@@ -2661,7 +2661,7 @@
           <a:bodyPr/>
           <a:lstStyle/>
           <a:p>
-            <a:fld id="{8C2E1617-F14E-40A3-B1D8-C4FD3DFE53E2}" type="datetimeFigureOut">
+            <a:fld id="{EB14B89B-9004-419B-87F4-3104242BF568}" type="datetimeFigureOut">
               <a:rPr lang="zh-CN" altLang="en-US" smtClean="0"/>
               <a:t>2024/3/10</a:t>
             </a:fld>
@@ -2674,7 +2674,7 @@
           <p:cNvPr id="6" name="页脚占位符 5">
             <a:extLst>
               <a:ext uri="{FF2B5EF4-FFF2-40B4-BE49-F238E27FC236}">
-                <a16:creationId xmlns:a16="http://schemas.microsoft.com/office/drawing/2014/main" id="{193FC59D-DFEA-2D7D-765B-B9F61EFCD766}"/>
+                <a16:creationId xmlns:a16="http://schemas.microsoft.com/office/drawing/2014/main" id="{C2687E0A-6E79-A6C8-5845-44F03AA2EE9D}"/>
               </a:ext>
             </a:extLst>
           </p:cNvPr>
@@ -2699,7 +2699,7 @@
           <p:cNvPr id="7" name="灯片编号占位符 6">
             <a:extLst>
               <a:ext uri="{FF2B5EF4-FFF2-40B4-BE49-F238E27FC236}">
-                <a16:creationId xmlns:a16="http://schemas.microsoft.com/office/drawing/2014/main" id="{4FA3DBAF-0AA1-D473-ECC6-7FE1A9C8F4A7}"/>
+                <a16:creationId xmlns:a16="http://schemas.microsoft.com/office/drawing/2014/main" id="{68EF02A1-AADF-CC43-09EF-6BA746A68090}"/>
               </a:ext>
             </a:extLst>
           </p:cNvPr>
@@ -2715,7 +2715,7 @@
           <a:bodyPr/>
           <a:lstStyle/>
           <a:p>
-            <a:fld id="{97C77B23-3155-49AA-891D-E27C4500B4FC}" type="slidenum">
+            <a:fld id="{CC66573B-7AB1-4572-BEFD-6AA985FFDE92}" type="slidenum">
               <a:rPr lang="zh-CN" altLang="en-US" smtClean="0"/>
               <a:t>‹#›</a:t>
             </a:fld>
@@ -2726,7 +2726,7 @@
     </p:spTree>
     <p:extLst>
       <p:ext uri="{BB962C8B-B14F-4D97-AF65-F5344CB8AC3E}">
-        <p14:creationId xmlns:p14="http://schemas.microsoft.com/office/powerpoint/2010/main" val="230288257"/>
+        <p14:creationId xmlns:p14="http://schemas.microsoft.com/office/powerpoint/2010/main" val="2280339719"/>
       </p:ext>
     </p:extLst>
   </p:cSld>
@@ -2763,7 +2763,7 @@
           <p:cNvPr id="2" name="标题占位符 1">
             <a:extLst>
               <a:ext uri="{FF2B5EF4-FFF2-40B4-BE49-F238E27FC236}">
-                <a16:creationId xmlns:a16="http://schemas.microsoft.com/office/drawing/2014/main" id="{5941F351-C4E5-74C8-A88E-445A384F8493}"/>
+                <a16:creationId xmlns:a16="http://schemas.microsoft.com/office/drawing/2014/main" id="{21BDA2A1-2582-3BEF-166C-EA2AC659AC30}"/>
               </a:ext>
             </a:extLst>
           </p:cNvPr>
@@ -2801,7 +2801,7 @@
           <p:cNvPr id="3" name="文本占位符 2">
             <a:extLst>
               <a:ext uri="{FF2B5EF4-FFF2-40B4-BE49-F238E27FC236}">
-                <a16:creationId xmlns:a16="http://schemas.microsoft.com/office/drawing/2014/main" id="{56AF69B6-1405-7D27-A943-53C9D95CB890}"/>
+                <a16:creationId xmlns:a16="http://schemas.microsoft.com/office/drawing/2014/main" id="{23D0BCCF-C9B7-D25E-751F-13207756EDB8}"/>
               </a:ext>
             </a:extLst>
           </p:cNvPr>
@@ -2868,7 +2868,7 @@
           <p:cNvPr id="4" name="日期占位符 3">
             <a:extLst>
               <a:ext uri="{FF2B5EF4-FFF2-40B4-BE49-F238E27FC236}">
-                <a16:creationId xmlns:a16="http://schemas.microsoft.com/office/drawing/2014/main" id="{34E22438-30A9-3819-8C51-ABE8B2524466}"/>
+                <a16:creationId xmlns:a16="http://schemas.microsoft.com/office/drawing/2014/main" id="{41C3727D-39EB-DD76-B327-51C30D0D8261}"/>
               </a:ext>
             </a:extLst>
           </p:cNvPr>
@@ -2902,7 +2902,7 @@
             </a:lvl1pPr>
           </a:lstStyle>
           <a:p>
-            <a:fld id="{8C2E1617-F14E-40A3-B1D8-C4FD3DFE53E2}" type="datetimeFigureOut">
+            <a:fld id="{EB14B89B-9004-419B-87F4-3104242BF568}" type="datetimeFigureOut">
               <a:rPr lang="zh-CN" altLang="en-US" smtClean="0"/>
               <a:t>2024/3/10</a:t>
             </a:fld>
@@ -2915,7 +2915,7 @@
           <p:cNvPr id="5" name="页脚占位符 4">
             <a:extLst>
               <a:ext uri="{FF2B5EF4-FFF2-40B4-BE49-F238E27FC236}">
-                <a16:creationId xmlns:a16="http://schemas.microsoft.com/office/drawing/2014/main" id="{8ACDCD28-E6FB-9D6D-6C72-DCE632D8185E}"/>
+                <a16:creationId xmlns:a16="http://schemas.microsoft.com/office/drawing/2014/main" id="{D4BCD507-031A-E903-7B61-5CC5B735D271}"/>
               </a:ext>
             </a:extLst>
           </p:cNvPr>
@@ -2958,7 +2958,7 @@
           <p:cNvPr id="6" name="灯片编号占位符 5">
             <a:extLst>
               <a:ext uri="{FF2B5EF4-FFF2-40B4-BE49-F238E27FC236}">
-                <a16:creationId xmlns:a16="http://schemas.microsoft.com/office/drawing/2014/main" id="{7290B165-A60A-683D-E73C-9F194111F7BB}"/>
+                <a16:creationId xmlns:a16="http://schemas.microsoft.com/office/drawing/2014/main" id="{3D24CEA8-CB4C-DF99-63CE-D0497AF60DA8}"/>
               </a:ext>
             </a:extLst>
           </p:cNvPr>
@@ -2992,7 +2992,7 @@
             </a:lvl1pPr>
           </a:lstStyle>
           <a:p>
-            <a:fld id="{97C77B23-3155-49AA-891D-E27C4500B4FC}" type="slidenum">
+            <a:fld id="{CC66573B-7AB1-4572-BEFD-6AA985FFDE92}" type="slidenum">
               <a:rPr lang="zh-CN" altLang="en-US" smtClean="0"/>
               <a:t>‹#›</a:t>
             </a:fld>
@@ -3003,7 +3003,7 @@
     </p:spTree>
     <p:extLst>
       <p:ext uri="{BB962C8B-B14F-4D97-AF65-F5344CB8AC3E}">
-        <p14:creationId xmlns:p14="http://schemas.microsoft.com/office/powerpoint/2010/main" val="904830271"/>
+        <p14:creationId xmlns:p14="http://schemas.microsoft.com/office/powerpoint/2010/main" val="451231769"/>
       </p:ext>
     </p:extLst>
   </p:cSld>
@@ -3323,7 +3323,7 @@
       </p:grpSpPr>
       <p:pic>
         <p:nvPicPr>
-          <p:cNvPr id="224258" name="Picture 2" descr="218"/>
+          <p:cNvPr id="225282" name="Picture 2" descr="219"/>
           <p:cNvPicPr>
             <a:picLocks noChangeAspect="1" noChangeArrowheads="1"/>
           </p:cNvPicPr>
@@ -3377,7 +3377,7 @@
       </p:pic>
       <p:pic>
         <p:nvPicPr>
-          <p:cNvPr id="225283" name="Picture 3" descr="218-2"/>
+          <p:cNvPr id="226307" name="Picture 3" descr="219-2"/>
           <p:cNvPicPr>
             <a:picLocks noChangeAspect="1" noChangeArrowheads="1"/>
           </p:cNvPicPr>
@@ -3441,7 +3441,7 @@
       </p:pic>
       <p:pic>
         <p:nvPicPr>
-          <p:cNvPr id="225284" name="Picture 4" descr="218-3"/>
+          <p:cNvPr id="226308" name="Picture 4" descr="219-3"/>
           <p:cNvPicPr>
             <a:picLocks noChangeAspect="1" noChangeArrowheads="1"/>
           </p:cNvPicPr>
@@ -3462,8 +3462,8 @@
         </p:blipFill>
         <p:spPr bwMode="auto">
           <a:xfrm>
-            <a:off x="1503362" y="0"/>
-            <a:ext cx="9128126" cy="6858000"/>
+            <a:off x="1524000" y="44450"/>
+            <a:ext cx="9144000" cy="6858000"/>
           </a:xfrm>
           <a:prstGeom prst="rect">
             <a:avLst/>
@@ -3542,7 +3542,7 @@
                                           </p:stCondLst>
                                         </p:cTn>
                                         <p:tgtEl>
-                                          <p:spTgt spid="225283"/>
+                                          <p:spTgt spid="226307"/>
                                         </p:tgtEl>
                                         <p:attrNameLst>
                                           <p:attrName>style.visibility</p:attrName>
@@ -3556,7 +3556,7 @@
                                       <p:cBhvr>
                                         <p:cTn id="7" dur="500"/>
                                         <p:tgtEl>
-                                          <p:spTgt spid="225283"/>
+                                          <p:spTgt spid="226307"/>
                                         </p:tgtEl>
                                       </p:cBhvr>
                                     </p:animEffect>
@@ -3595,7 +3595,7 @@
                                           </p:stCondLst>
                                         </p:cTn>
                                         <p:tgtEl>
-                                          <p:spTgt spid="225284"/>
+                                          <p:spTgt spid="226308"/>
                                         </p:tgtEl>
                                         <p:attrNameLst>
                                           <p:attrName>style.visibility</p:attrName>
@@ -3609,7 +3609,7 @@
                                       <p:cBhvr>
                                         <p:cTn id="12" dur="500"/>
                                         <p:tgtEl>
-                                          <p:spTgt spid="225284"/>
+                                          <p:spTgt spid="226308"/>
                                         </p:tgtEl>
                                       </p:cBhvr>
                                     </p:animEffect>
